--- a/document/SWP Presentation.pptx
+++ b/document/SWP Presentation.pptx
@@ -13,9 +13,10 @@
     <p:sldId id="261" r:id="rId7"/>
     <p:sldId id="266" r:id="rId8"/>
     <p:sldId id="262" r:id="rId9"/>
-    <p:sldId id="263" r:id="rId10"/>
-    <p:sldId id="264" r:id="rId11"/>
-    <p:sldId id="265" r:id="rId12"/>
+    <p:sldId id="267" r:id="rId10"/>
+    <p:sldId id="263" r:id="rId11"/>
+    <p:sldId id="264" r:id="rId12"/>
+    <p:sldId id="265" r:id="rId13"/>
   </p:sldIdLst>
   <p:sldSz cx="12192000" cy="6858000"/>
   <p:notesSz cx="6858000" cy="9144000"/>
@@ -114,6 +115,11 @@
       </a:defRPr>
     </a:lvl9pPr>
   </p:defaultTextStyle>
+  <p:extLst>
+    <p:ext uri="{EFAFB233-063F-42B5-8137-9DF3F51BA10A}">
+      <p15:sldGuideLst xmlns:p15="http://schemas.microsoft.com/office/powerpoint/2012/main"/>
+    </p:ext>
+  </p:extLst>
 </p:presentation>
 </file>
 
@@ -248,7 +254,7 @@
           <a:p>
             <a:fld id="{7B2123CA-0A34-4B29-BB81-008FB7F16649}" type="datetimeFigureOut">
               <a:rPr lang="en-US" smtClean="0"/>
-              <a:t>7/15/2023</a:t>
+              <a:t>3/21/2024</a:t>
             </a:fld>
             <a:endParaRPr lang="en-US"/>
           </a:p>
@@ -418,7 +424,7 @@
           <a:p>
             <a:fld id="{7B2123CA-0A34-4B29-BB81-008FB7F16649}" type="datetimeFigureOut">
               <a:rPr lang="en-US" smtClean="0"/>
-              <a:t>7/15/2023</a:t>
+              <a:t>3/21/2024</a:t>
             </a:fld>
             <a:endParaRPr lang="en-US"/>
           </a:p>
@@ -598,7 +604,7 @@
           <a:p>
             <a:fld id="{7B2123CA-0A34-4B29-BB81-008FB7F16649}" type="datetimeFigureOut">
               <a:rPr lang="en-US" smtClean="0"/>
-              <a:t>7/15/2023</a:t>
+              <a:t>3/21/2024</a:t>
             </a:fld>
             <a:endParaRPr lang="en-US"/>
           </a:p>
@@ -768,7 +774,7 @@
           <a:p>
             <a:fld id="{7B2123CA-0A34-4B29-BB81-008FB7F16649}" type="datetimeFigureOut">
               <a:rPr lang="en-US" smtClean="0"/>
-              <a:t>7/15/2023</a:t>
+              <a:t>3/21/2024</a:t>
             </a:fld>
             <a:endParaRPr lang="en-US"/>
           </a:p>
@@ -1014,7 +1020,7 @@
           <a:p>
             <a:fld id="{7B2123CA-0A34-4B29-BB81-008FB7F16649}" type="datetimeFigureOut">
               <a:rPr lang="en-US" smtClean="0"/>
-              <a:t>7/15/2023</a:t>
+              <a:t>3/21/2024</a:t>
             </a:fld>
             <a:endParaRPr lang="en-US"/>
           </a:p>
@@ -1246,7 +1252,7 @@
           <a:p>
             <a:fld id="{7B2123CA-0A34-4B29-BB81-008FB7F16649}" type="datetimeFigureOut">
               <a:rPr lang="en-US" smtClean="0"/>
-              <a:t>7/15/2023</a:t>
+              <a:t>3/21/2024</a:t>
             </a:fld>
             <a:endParaRPr lang="en-US"/>
           </a:p>
@@ -1613,7 +1619,7 @@
           <a:p>
             <a:fld id="{7B2123CA-0A34-4B29-BB81-008FB7F16649}" type="datetimeFigureOut">
               <a:rPr lang="en-US" smtClean="0"/>
-              <a:t>7/15/2023</a:t>
+              <a:t>3/21/2024</a:t>
             </a:fld>
             <a:endParaRPr lang="en-US"/>
           </a:p>
@@ -1731,7 +1737,7 @@
           <a:p>
             <a:fld id="{7B2123CA-0A34-4B29-BB81-008FB7F16649}" type="datetimeFigureOut">
               <a:rPr lang="en-US" smtClean="0"/>
-              <a:t>7/15/2023</a:t>
+              <a:t>3/21/2024</a:t>
             </a:fld>
             <a:endParaRPr lang="en-US"/>
           </a:p>
@@ -1826,7 +1832,7 @@
           <a:p>
             <a:fld id="{7B2123CA-0A34-4B29-BB81-008FB7F16649}" type="datetimeFigureOut">
               <a:rPr lang="en-US" smtClean="0"/>
-              <a:t>7/15/2023</a:t>
+              <a:t>3/21/2024</a:t>
             </a:fld>
             <a:endParaRPr lang="en-US"/>
           </a:p>
@@ -2103,7 +2109,7 @@
           <a:p>
             <a:fld id="{7B2123CA-0A34-4B29-BB81-008FB7F16649}" type="datetimeFigureOut">
               <a:rPr lang="en-US" smtClean="0"/>
-              <a:t>7/15/2023</a:t>
+              <a:t>3/21/2024</a:t>
             </a:fld>
             <a:endParaRPr lang="en-US"/>
           </a:p>
@@ -2356,7 +2362,7 @@
           <a:p>
             <a:fld id="{7B2123CA-0A34-4B29-BB81-008FB7F16649}" type="datetimeFigureOut">
               <a:rPr lang="en-US" smtClean="0"/>
-              <a:t>7/15/2023</a:t>
+              <a:t>3/21/2024</a:t>
             </a:fld>
             <a:endParaRPr lang="en-US"/>
           </a:p>
@@ -2569,7 +2575,7 @@
           <a:p>
             <a:fld id="{7B2123CA-0A34-4B29-BB81-008FB7F16649}" type="datetimeFigureOut">
               <a:rPr lang="en-US" smtClean="0"/>
-              <a:t>7/15/2023</a:t>
+              <a:t>3/21/2024</a:t>
             </a:fld>
             <a:endParaRPr lang="en-US"/>
           </a:p>
@@ -2992,43 +2998,124 @@
         </p:spPr>
         <p:txBody>
           <a:bodyPr>
-            <a:normAutofit/>
+            <a:normAutofit fontScale="90000"/>
           </a:bodyPr>
           <a:lstStyle/>
           <a:p>
             <a:r>
-              <a:rPr lang="en-US" smtClean="0"/>
+              <a:rPr lang="en-US" dirty="0" smtClean="0"/>
               <a:t/>
             </a:r>
             <a:br>
-              <a:rPr lang="en-US" smtClean="0"/>
+              <a:rPr lang="en-US" dirty="0" smtClean="0"/>
             </a:br>
             <a:r>
-              <a:rPr lang="en-US" smtClean="0"/>
-              <a:t>{logo trường}</a:t>
+              <a:rPr lang="en-US" dirty="0"/>
+              <a:t/>
             </a:r>
             <a:br>
-              <a:rPr lang="en-US" smtClean="0"/>
+              <a:rPr lang="en-US" dirty="0"/>
             </a:br>
             <a:r>
-              <a:rPr lang="en-US" smtClean="0"/>
-              <a:t>{logo của app}</a:t>
+              <a:rPr lang="en-US" dirty="0" smtClean="0"/>
+              <a:t>{</a:t>
+            </a:r>
+            <a:r>
+              <a:rPr lang="en-US" dirty="0" smtClean="0"/>
+              <a:t>logo </a:t>
+            </a:r>
+            <a:r>
+              <a:rPr lang="en-US" dirty="0" err="1" smtClean="0"/>
+              <a:t>trường</a:t>
+            </a:r>
+            <a:r>
+              <a:rPr lang="en-US" dirty="0" smtClean="0"/>
+              <a:t>}</a:t>
             </a:r>
             <a:br>
-              <a:rPr lang="en-US" smtClean="0"/>
+              <a:rPr lang="en-US" dirty="0" smtClean="0"/>
             </a:br>
             <a:r>
-              <a:rPr lang="en-US" smtClean="0"/>
-              <a:t>{tên app}</a:t>
+              <a:rPr lang="en-US" dirty="0" smtClean="0"/>
+              <a:t>{logo </a:t>
+            </a:r>
+            <a:r>
+              <a:rPr lang="en-US" dirty="0" err="1" smtClean="0"/>
+              <a:t>của</a:t>
+            </a:r>
+            <a:r>
+              <a:rPr lang="en-US" dirty="0" smtClean="0"/>
+              <a:t> app</a:t>
+            </a:r>
+            <a:r>
+              <a:rPr lang="en-US" dirty="0" smtClean="0"/>
+              <a:t>}</a:t>
             </a:r>
             <a:br>
-              <a:rPr lang="en-US" smtClean="0"/>
+              <a:rPr lang="en-US" dirty="0" smtClean="0"/>
             </a:br>
             <a:r>
-              <a:rPr lang="en-US" smtClean="0"/>
-              <a:t>{tên nhóm | gvhd}</a:t>
-            </a:r>
-            <a:endParaRPr lang="en-US"/>
+              <a:rPr lang="en-US" dirty="0" smtClean="0"/>
+              <a:t/>
+            </a:r>
+            <a:br>
+              <a:rPr lang="en-US" dirty="0" smtClean="0"/>
+            </a:br>
+            <a:r>
+              <a:rPr lang="en-US" sz="9600" b="1" dirty="0" smtClean="0"/>
+              <a:t>{</a:t>
+            </a:r>
+            <a:r>
+              <a:rPr lang="en-US" sz="9600" b="1" dirty="0" err="1" smtClean="0"/>
+              <a:t>tên</a:t>
+            </a:r>
+            <a:r>
+              <a:rPr lang="en-US" sz="9600" b="1" dirty="0" smtClean="0"/>
+              <a:t> app</a:t>
+            </a:r>
+            <a:r>
+              <a:rPr lang="en-US" sz="9600" b="1" dirty="0" smtClean="0"/>
+              <a:t>}</a:t>
+            </a:r>
+            <a:br>
+              <a:rPr lang="en-US" sz="9600" b="1" dirty="0" smtClean="0"/>
+            </a:br>
+            <a:r>
+              <a:rPr lang="en-US" sz="9600" b="1" dirty="0" smtClean="0"/>
+              <a:t/>
+            </a:r>
+            <a:br>
+              <a:rPr lang="en-US" sz="9600" b="1" dirty="0" smtClean="0"/>
+            </a:br>
+            <a:r>
+              <a:rPr lang="en-US" dirty="0" smtClean="0"/>
+              <a:t>{</a:t>
+            </a:r>
+            <a:r>
+              <a:rPr lang="en-US" dirty="0" err="1" smtClean="0"/>
+              <a:t>tên</a:t>
+            </a:r>
+            <a:r>
+              <a:rPr lang="en-US" dirty="0" smtClean="0"/>
+              <a:t> </a:t>
+            </a:r>
+            <a:r>
+              <a:rPr lang="en-US" dirty="0" err="1" smtClean="0"/>
+              <a:t>nhóm</a:t>
+            </a:r>
+            <a:r>
+              <a:rPr lang="en-US" dirty="0" smtClean="0"/>
+              <a:t> | </a:t>
+            </a:r>
+            <a:r>
+              <a:rPr lang="en-US" dirty="0" err="1" smtClean="0"/>
+              <a:t>gvhd</a:t>
+            </a:r>
+            <a:r>
+              <a:rPr lang="en-US" dirty="0" smtClean="0"/>
+              <a:t>}</a:t>
+            </a:r>
+            <a:endParaRPr lang="en-US" dirty="0"/>
           </a:p>
         </p:txBody>
       </p:sp>
@@ -3093,104 +3180,20 @@
           <a:p>
             <a:pPr algn="l"/>
             <a:r>
-              <a:rPr lang="en-US" sz="5400" b="1" smtClean="0"/>
+              <a:rPr lang="en-US" sz="5400" b="1" dirty="0" smtClean="0"/>
               <a:t>outcomes (2 pages)</a:t>
             </a:r>
             <a:br>
-              <a:rPr lang="en-US" sz="5400" b="1" smtClean="0"/>
+              <a:rPr lang="en-US" sz="5400" b="1" dirty="0" smtClean="0"/>
             </a:br>
-            <a:endParaRPr lang="en-US" sz="3300" b="1"/>
-          </a:p>
-        </p:txBody>
-      </p:sp>
-      <p:sp>
-        <p:nvSpPr>
-          <p:cNvPr id="12" name="TextBox 11"/>
-          <p:cNvSpPr txBox="1"/>
-          <p:nvPr/>
-        </p:nvSpPr>
-        <p:spPr>
-          <a:xfrm>
-            <a:off x="726831" y="1578745"/>
-            <a:ext cx="10737675" cy="3554819"/>
-          </a:xfrm>
-          <a:prstGeom prst="rect">
-            <a:avLst/>
-          </a:prstGeom>
-          <a:noFill/>
-        </p:spPr>
-        <p:txBody>
-          <a:bodyPr wrap="square" rtlCol="0">
-            <a:spAutoFit/>
-          </a:bodyPr>
-          <a:lstStyle/>
-          <a:p>
-            <a:r>
-              <a:rPr lang="en-US" sz="2500" b="1" smtClean="0"/>
-              <a:t>App features</a:t>
-            </a:r>
-          </a:p>
-          <a:p>
-            <a:pPr marL="342900" indent="-342900">
-              <a:buFontTx/>
-              <a:buChar char="-"/>
-            </a:pPr>
-            <a:r>
-              <a:rPr lang="en-US" sz="2500" b="1" smtClean="0"/>
-              <a:t>Customer: cart, order, pay by MoMo,…</a:t>
-            </a:r>
-          </a:p>
-          <a:p>
-            <a:pPr marL="342900" indent="-342900">
-              <a:buFontTx/>
-              <a:buChar char="-"/>
-            </a:pPr>
-            <a:r>
-              <a:rPr lang="en-US" sz="2500" b="1" smtClean="0"/>
-              <a:t>Admin: CRUD …</a:t>
-            </a:r>
-          </a:p>
-          <a:p>
-            <a:pPr marL="342900" indent="-342900">
-              <a:buFontTx/>
-              <a:buChar char="-"/>
-            </a:pPr>
-            <a:r>
-              <a:rPr lang="en-US" sz="2500" b="1" smtClean="0"/>
-              <a:t>Editor: </a:t>
-            </a:r>
-          </a:p>
-          <a:p>
-            <a:pPr marL="342900" indent="-342900">
-              <a:buFontTx/>
-              <a:buChar char="-"/>
-            </a:pPr>
-            <a:endParaRPr lang="en-US" sz="2500" b="1" smtClean="0"/>
-          </a:p>
-          <a:p>
-            <a:endParaRPr lang="en-US" sz="2500" b="1" smtClean="0"/>
-          </a:p>
-          <a:p>
-            <a:r>
-              <a:rPr lang="en-US" sz="2500" b="1" smtClean="0"/>
-              <a:t>Project deliverables</a:t>
-            </a:r>
-          </a:p>
-          <a:p>
-            <a:r>
-              <a:rPr lang="en-US" sz="2500" b="1" smtClean="0"/>
-              <a:t>- </a:t>
-            </a:r>
-          </a:p>
-          <a:p>
-            <a:endParaRPr lang="en-US" sz="2500" b="1"/>
+            <a:endParaRPr lang="en-US" sz="3300" b="1" dirty="0"/>
           </a:p>
         </p:txBody>
       </p:sp>
     </p:spTree>
     <p:extLst>
       <p:ext uri="{BB962C8B-B14F-4D97-AF65-F5344CB8AC3E}">
-        <p14:creationId xmlns:p14="http://schemas.microsoft.com/office/powerpoint/2010/main" val="2937987847"/>
+        <p14:creationId xmlns:p14="http://schemas.microsoft.com/office/powerpoint/2010/main" val="1506876991"/>
       </p:ext>
     </p:extLst>
   </p:cSld>
@@ -3236,7 +3239,7 @@
         </p:nvSpPr>
         <p:spPr>
           <a:xfrm>
-            <a:off x="627586" y="2252720"/>
+            <a:off x="726831" y="633047"/>
             <a:ext cx="10902461" cy="895932"/>
           </a:xfrm>
         </p:spPr>
@@ -3246,17 +3249,217 @@
           </a:bodyPr>
           <a:lstStyle/>
           <a:p>
-            <a:r>
-              <a:rPr lang="en-US" sz="6700" b="1" smtClean="0"/>
-              <a:t>Thank you for your attention</a:t>
-            </a:r>
+            <a:pPr algn="l"/>
             <a:r>
               <a:rPr lang="en-US" sz="5400" b="1" smtClean="0"/>
-              <a:t/>
+              <a:t>outcomes (2 pages)</a:t>
             </a:r>
             <a:br>
               <a:rPr lang="en-US" sz="5400" b="1" smtClean="0"/>
             </a:br>
+            <a:endParaRPr lang="en-US" sz="3300" b="1"/>
+          </a:p>
+        </p:txBody>
+      </p:sp>
+      <p:sp>
+        <p:nvSpPr>
+          <p:cNvPr id="12" name="TextBox 11"/>
+          <p:cNvSpPr txBox="1"/>
+          <p:nvPr/>
+        </p:nvSpPr>
+        <p:spPr>
+          <a:xfrm>
+            <a:off x="726831" y="1578745"/>
+            <a:ext cx="10737675" cy="4708981"/>
+          </a:xfrm>
+          <a:prstGeom prst="rect">
+            <a:avLst/>
+          </a:prstGeom>
+          <a:noFill/>
+        </p:spPr>
+        <p:txBody>
+          <a:bodyPr wrap="square" rtlCol="0">
+            <a:spAutoFit/>
+          </a:bodyPr>
+          <a:lstStyle/>
+          <a:p>
+            <a:r>
+              <a:rPr lang="en-US" sz="2500" b="1" dirty="0" smtClean="0"/>
+              <a:t>App features</a:t>
+            </a:r>
+          </a:p>
+          <a:p>
+            <a:pPr marL="342900" indent="-342900">
+              <a:buFontTx/>
+              <a:buChar char="-"/>
+            </a:pPr>
+            <a:r>
+              <a:rPr lang="en-US" sz="2500" b="1" dirty="0" smtClean="0"/>
+              <a:t>Customer: cart, order, pay by </a:t>
+            </a:r>
+            <a:r>
+              <a:rPr lang="en-US" sz="2500" b="1" dirty="0" err="1" smtClean="0"/>
+              <a:t>MoMo</a:t>
+            </a:r>
+            <a:r>
+              <a:rPr lang="en-US" sz="2500" b="1" dirty="0" smtClean="0"/>
+              <a:t>,…</a:t>
+            </a:r>
+          </a:p>
+          <a:p>
+            <a:pPr marL="342900" indent="-342900">
+              <a:buFontTx/>
+              <a:buChar char="-"/>
+            </a:pPr>
+            <a:r>
+              <a:rPr lang="en-US" sz="2500" b="1" dirty="0" smtClean="0"/>
+              <a:t>Admin: CRUD …</a:t>
+            </a:r>
+          </a:p>
+          <a:p>
+            <a:pPr marL="342900" indent="-342900">
+              <a:buFontTx/>
+              <a:buChar char="-"/>
+            </a:pPr>
+            <a:r>
+              <a:rPr lang="en-US" sz="2500" b="1" dirty="0" smtClean="0"/>
+              <a:t>Staff: Manage order, manage version of quotation…</a:t>
+            </a:r>
+            <a:endParaRPr lang="en-US" sz="2500" b="1" dirty="0" smtClean="0"/>
+          </a:p>
+          <a:p>
+            <a:endParaRPr lang="en-US" sz="2500" b="1" dirty="0" smtClean="0"/>
+          </a:p>
+          <a:p>
+            <a:r>
+              <a:rPr lang="en-US" sz="2500" b="1" dirty="0" smtClean="0"/>
+              <a:t>Lessons learned</a:t>
+            </a:r>
+            <a:endParaRPr lang="en-US" sz="2500" b="1" dirty="0" smtClean="0"/>
+          </a:p>
+          <a:p>
+            <a:pPr marL="342900" indent="-342900">
+              <a:buFontTx/>
+              <a:buChar char="-"/>
+            </a:pPr>
+            <a:r>
+              <a:rPr lang="en-US" sz="2500" b="1" dirty="0" smtClean="0"/>
+              <a:t>Teamwork</a:t>
+            </a:r>
+          </a:p>
+          <a:p>
+            <a:pPr marL="342900" indent="-342900">
+              <a:buFontTx/>
+              <a:buChar char="-"/>
+            </a:pPr>
+            <a:r>
+              <a:rPr lang="en-US" sz="2500" b="1" dirty="0" smtClean="0"/>
+              <a:t>Cross-functional</a:t>
+            </a:r>
+          </a:p>
+          <a:p>
+            <a:pPr marL="342900" indent="-342900">
+              <a:buFontTx/>
+              <a:buChar char="-"/>
+            </a:pPr>
+            <a:r>
+              <a:rPr lang="en-US" sz="2500" b="1" dirty="0" smtClean="0"/>
+              <a:t>Deadline</a:t>
+            </a:r>
+          </a:p>
+          <a:p>
+            <a:pPr marL="342900" indent="-342900">
+              <a:buFontTx/>
+              <a:buChar char="-"/>
+            </a:pPr>
+            <a:r>
+              <a:rPr lang="en-US" sz="2500" b="1" dirty="0" smtClean="0"/>
+              <a:t>New techs</a:t>
+            </a:r>
+            <a:endParaRPr lang="en-US" sz="2500" b="1" dirty="0" smtClean="0"/>
+          </a:p>
+          <a:p>
+            <a:pPr marL="342900" indent="-342900">
+              <a:buFontTx/>
+              <a:buChar char="-"/>
+            </a:pPr>
+            <a:endParaRPr lang="en-US" sz="2500" b="1" dirty="0" smtClean="0"/>
+          </a:p>
+          <a:p>
+            <a:endParaRPr lang="en-US" sz="2500" b="1" dirty="0"/>
+          </a:p>
+        </p:txBody>
+      </p:sp>
+    </p:spTree>
+    <p:extLst>
+      <p:ext uri="{BB962C8B-B14F-4D97-AF65-F5344CB8AC3E}">
+        <p14:creationId xmlns:p14="http://schemas.microsoft.com/office/powerpoint/2010/main" val="2937987847"/>
+      </p:ext>
+    </p:extLst>
+  </p:cSld>
+  <p:clrMapOvr>
+    <a:masterClrMapping/>
+  </p:clrMapOvr>
+  <p:timing>
+    <p:tnLst>
+      <p:par>
+        <p:cTn id="1" dur="indefinite" restart="never" nodeType="tmRoot"/>
+      </p:par>
+    </p:tnLst>
+  </p:timing>
+</p:sld>
+</file>
+
+<file path=ppt/slides/slide12.xml><?xml version="1.0" encoding="utf-8"?>
+<p:sld xmlns:a="http://schemas.openxmlformats.org/drawingml/2006/main" xmlns:r="http://schemas.openxmlformats.org/officeDocument/2006/relationships" xmlns:p="http://schemas.openxmlformats.org/presentationml/2006/main">
+  <p:cSld>
+    <p:spTree>
+      <p:nvGrpSpPr>
+        <p:cNvPr id="1" name=""/>
+        <p:cNvGrpSpPr/>
+        <p:nvPr/>
+      </p:nvGrpSpPr>
+      <p:grpSpPr>
+        <a:xfrm>
+          <a:off x="0" y="0"/>
+          <a:ext cx="0" cy="0"/>
+          <a:chOff x="0" y="0"/>
+          <a:chExt cx="0" cy="0"/>
+        </a:xfrm>
+      </p:grpSpPr>
+      <p:sp>
+        <p:nvSpPr>
+          <p:cNvPr id="2" name="Title 1"/>
+          <p:cNvSpPr>
+            <a:spLocks noGrp="1"/>
+          </p:cNvSpPr>
+          <p:nvPr>
+            <p:ph type="ctrTitle"/>
+          </p:nvPr>
+        </p:nvSpPr>
+        <p:spPr>
+          <a:xfrm>
+            <a:off x="627586" y="2252720"/>
+            <a:ext cx="10902461" cy="895932"/>
+          </a:xfrm>
+        </p:spPr>
+        <p:txBody>
+          <a:bodyPr anchor="t">
+            <a:normAutofit fontScale="90000"/>
+          </a:bodyPr>
+          <a:lstStyle/>
+          <a:p>
+            <a:r>
+              <a:rPr lang="en-US" sz="6700" b="1" smtClean="0"/>
+              <a:t>Thank you for your attention</a:t>
+            </a:r>
+            <a:r>
+              <a:rPr lang="en-US" sz="5400" b="1" smtClean="0"/>
+              <a:t/>
+            </a:r>
+            <a:br>
+              <a:rPr lang="en-US" sz="5400" b="1" smtClean="0"/>
+            </a:br>
             <a:r>
               <a:rPr lang="en-US" sz="5400" b="1"/>
               <a:t/>
@@ -3267,10 +3470,6 @@
             <a:r>
               <a:rPr lang="en-US" sz="9800" b="1" smtClean="0"/>
               <a:t>Q &amp; A</a:t>
-            </a:r>
-            <a:r>
-              <a:rPr lang="en-US" sz="9800" b="1" smtClean="0"/>
-              <a:t/>
             </a:r>
             <a:br>
               <a:rPr lang="en-US" sz="9800" b="1" smtClean="0"/>
@@ -3318,98 +3517,173 @@
       </p:grpSpPr>
       <p:sp>
         <p:nvSpPr>
-          <p:cNvPr id="2" name="Title 1"/>
-          <p:cNvSpPr>
-            <a:spLocks noGrp="1"/>
-          </p:cNvSpPr>
-          <p:nvPr>
-            <p:ph type="ctrTitle"/>
-          </p:nvPr>
-        </p:nvSpPr>
-        <p:spPr>
-          <a:xfrm>
-            <a:off x="894272" y="607167"/>
-            <a:ext cx="9144000" cy="5658339"/>
-          </a:xfrm>
-        </p:spPr>
-        <p:txBody>
-          <a:bodyPr anchor="t">
-            <a:normAutofit/>
+          <p:cNvPr id="3" name="Rectangle 2"/>
+          <p:cNvSpPr/>
+          <p:nvPr/>
+        </p:nvSpPr>
+        <p:spPr>
+          <a:xfrm>
+            <a:off x="564203" y="1919539"/>
+            <a:ext cx="10826885" cy="4811574"/>
+          </a:xfrm>
+          <a:prstGeom prst="rect">
+            <a:avLst/>
+          </a:prstGeom>
+        </p:spPr>
+        <p:txBody>
+          <a:bodyPr wrap="square">
+            <a:spAutoFit/>
           </a:bodyPr>
           <a:lstStyle/>
           <a:p>
-            <a:pPr algn="l"/>
-            <a:r>
-              <a:rPr lang="en-US" smtClean="0"/>
+            <a:pPr marL="342900" indent="-731520">
+              <a:spcBef>
+                <a:spcPts val="800"/>
+              </a:spcBef>
+              <a:spcAft>
+                <a:spcPts val="800"/>
+              </a:spcAft>
+              <a:buFont typeface="+mj-lt"/>
+              <a:buAutoNum type="arabicPeriod"/>
+            </a:pPr>
+            <a:r>
+              <a:rPr lang="en-US" sz="4000" b="1" dirty="0"/>
+              <a:t>Project introduction (&gt;= 2 </a:t>
+            </a:r>
+            <a:r>
+              <a:rPr lang="en-US" sz="4000" b="1" dirty="0" smtClean="0"/>
+              <a:t>pages)</a:t>
+            </a:r>
+          </a:p>
+          <a:p>
+            <a:pPr marL="342900" indent="-731520">
+              <a:spcBef>
+                <a:spcPts val="800"/>
+              </a:spcBef>
+              <a:spcAft>
+                <a:spcPts val="800"/>
+              </a:spcAft>
+              <a:buFont typeface="+mj-lt"/>
+              <a:buAutoNum type="arabicPeriod"/>
+            </a:pPr>
+            <a:r>
+              <a:rPr lang="en-US" sz="4000" b="1" dirty="0" smtClean="0"/>
+              <a:t>System architectural overview (&lt;= 2 pages)</a:t>
+            </a:r>
+          </a:p>
+          <a:p>
+            <a:pPr marL="342900" indent="-731520">
+              <a:spcBef>
+                <a:spcPts val="800"/>
+              </a:spcBef>
+              <a:spcAft>
+                <a:spcPts val="800"/>
+              </a:spcAft>
+              <a:buFont typeface="+mj-lt"/>
+              <a:buAutoNum type="arabicPeriod"/>
+            </a:pPr>
+            <a:r>
+              <a:rPr lang="en-US" sz="4000" b="1" dirty="0" smtClean="0"/>
+              <a:t>Features (&gt;= 1 page)</a:t>
+            </a:r>
+          </a:p>
+          <a:p>
+            <a:pPr marL="342900" indent="-731520">
+              <a:spcBef>
+                <a:spcPts val="800"/>
+              </a:spcBef>
+              <a:spcAft>
+                <a:spcPts val="800"/>
+              </a:spcAft>
+              <a:buFont typeface="+mj-lt"/>
+              <a:buAutoNum type="arabicPeriod"/>
+            </a:pPr>
+            <a:r>
+              <a:rPr lang="en-US" sz="4000" b="1" dirty="0" smtClean="0"/>
+              <a:t>Demonstration (pages)</a:t>
+            </a:r>
+          </a:p>
+          <a:p>
+            <a:pPr marL="342900" indent="-731520">
+              <a:spcBef>
+                <a:spcPts val="800"/>
+              </a:spcBef>
+              <a:spcAft>
+                <a:spcPts val="800"/>
+              </a:spcAft>
+              <a:buFont typeface="+mj-lt"/>
+              <a:buAutoNum type="arabicPeriod"/>
+            </a:pPr>
+            <a:r>
+              <a:rPr lang="en-US" sz="4000" b="1" dirty="0" smtClean="0"/>
+              <a:t>Outcomes </a:t>
+            </a:r>
+            <a:r>
+              <a:rPr lang="en-US" sz="4000" b="1" dirty="0"/>
+              <a:t>(2 </a:t>
+            </a:r>
+            <a:r>
+              <a:rPr lang="en-US" sz="4000" b="1" dirty="0" smtClean="0"/>
+              <a:t>pages)</a:t>
+            </a:r>
+          </a:p>
+          <a:p>
+            <a:pPr marL="342900" indent="-731520">
+              <a:spcBef>
+                <a:spcPts val="800"/>
+              </a:spcBef>
+              <a:spcAft>
+                <a:spcPts val="800"/>
+              </a:spcAft>
+              <a:buFont typeface="+mj-lt"/>
+              <a:buAutoNum type="arabicPeriod"/>
+            </a:pPr>
+            <a:r>
+              <a:rPr lang="en-US" sz="4000" b="1" dirty="0" smtClean="0"/>
+              <a:t>Q&amp;A </a:t>
+            </a:r>
+            <a:r>
+              <a:rPr lang="en-US" sz="4000" b="1" dirty="0"/>
+              <a:t>(1 page)</a:t>
+            </a:r>
+            <a:endParaRPr lang="en-US" sz="4000" dirty="0"/>
+          </a:p>
+        </p:txBody>
+      </p:sp>
+      <p:sp>
+        <p:nvSpPr>
+          <p:cNvPr id="4" name="Rectangle 3"/>
+          <p:cNvSpPr/>
+          <p:nvPr/>
+        </p:nvSpPr>
+        <p:spPr>
+          <a:xfrm>
+            <a:off x="564204" y="130606"/>
+            <a:ext cx="10826885" cy="1107996"/>
+          </a:xfrm>
+          <a:prstGeom prst="rect">
+            <a:avLst/>
+          </a:prstGeom>
+        </p:spPr>
+        <p:txBody>
+          <a:bodyPr wrap="square">
+            <a:spAutoFit/>
+          </a:bodyPr>
+          <a:lstStyle/>
+          <a:p>
+            <a:pPr>
+              <a:spcBef>
+                <a:spcPts val="1200"/>
+              </a:spcBef>
+              <a:spcAft>
+                <a:spcPts val="1200"/>
+              </a:spcAft>
+            </a:pPr>
+            <a:r>
+              <a:rPr lang="en-US" sz="6600" b="1" dirty="0" smtClean="0"/>
               <a:t>Contents</a:t>
             </a:r>
-            <a:br>
-              <a:rPr lang="en-US" smtClean="0"/>
-            </a:br>
-            <a:r>
-              <a:rPr lang="en-US" sz="3300" smtClean="0"/>
-              <a:t>{đề mục 1}</a:t>
-            </a:r>
-            <a:br>
-              <a:rPr lang="en-US" sz="3300" smtClean="0"/>
-            </a:br>
-            <a:r>
-              <a:rPr lang="en-US" sz="3300" smtClean="0"/>
-              <a:t>{đề mục 2}</a:t>
-            </a:r>
-            <a:br>
-              <a:rPr lang="en-US" sz="3300" smtClean="0"/>
-            </a:br>
-            <a:r>
-              <a:rPr lang="en-US" sz="3300" smtClean="0"/>
-              <a:t>{đề mục…}</a:t>
-            </a:r>
-            <a:br>
-              <a:rPr lang="en-US" sz="3300" smtClean="0"/>
-            </a:br>
-            <a:r>
-              <a:rPr lang="en-US" sz="3300" b="1" smtClean="0"/>
-              <a:t>project introduction (&gt;= 2 pages)</a:t>
-            </a:r>
-            <a:br>
-              <a:rPr lang="en-US" sz="3300" b="1" smtClean="0"/>
-            </a:br>
-            <a:r>
-              <a:rPr lang="en-US" sz="3300" b="1" smtClean="0"/>
-              <a:t>system architectural overview (&lt;= 2 pages)</a:t>
-            </a:r>
-            <a:br>
-              <a:rPr lang="en-US" sz="3300" b="1" smtClean="0"/>
-            </a:br>
-            <a:r>
-              <a:rPr lang="en-US" sz="3300" b="1" smtClean="0"/>
-              <a:t>features (&gt;= 1 page)</a:t>
-            </a:r>
-            <a:br>
-              <a:rPr lang="en-US" sz="3300" b="1" smtClean="0"/>
-            </a:br>
-            <a:r>
-              <a:rPr lang="en-US" sz="3300" b="1" smtClean="0"/>
-              <a:t>demonstration (pages)</a:t>
-            </a:r>
-            <a:br>
-              <a:rPr lang="en-US" sz="3300" b="1" smtClean="0"/>
-            </a:br>
-            <a:r>
-              <a:rPr lang="en-US" sz="3300" b="1" smtClean="0"/>
-              <a:t>outcomes (2 pages)</a:t>
-            </a:r>
-            <a:br>
-              <a:rPr lang="en-US" sz="3300" b="1" smtClean="0"/>
-            </a:br>
-            <a:r>
-              <a:rPr lang="en-US" sz="3300" b="1" smtClean="0"/>
-              <a:t>q&amp;a (1 page)</a:t>
-            </a:r>
-            <a:br>
-              <a:rPr lang="en-US" sz="3300" b="1" smtClean="0"/>
-            </a:br>
-            <a:endParaRPr lang="en-US" sz="3300" b="1"/>
+            <a:endParaRPr lang="en-US" sz="6600" b="1" dirty="0"/>
           </a:p>
         </p:txBody>
       </p:sp>
@@ -3462,8 +3736,8 @@
         </p:nvSpPr>
         <p:spPr>
           <a:xfrm>
-            <a:off x="726831" y="633046"/>
-            <a:ext cx="10902461" cy="5658339"/>
+            <a:off x="558217" y="302305"/>
+            <a:ext cx="10902461" cy="942835"/>
           </a:xfrm>
         </p:spPr>
         <p:txBody>
@@ -3474,87 +3748,155 @@
           <a:p>
             <a:pPr algn="l"/>
             <a:r>
-              <a:rPr lang="en-US" sz="5000" b="1" smtClean="0"/>
-              <a:t>project introduction (&gt;= 2 pages)</a:t>
+              <a:rPr lang="en-US" sz="5000" b="1" dirty="0" smtClean="0"/>
+              <a:t>1. </a:t>
+            </a:r>
+            <a:r>
+              <a:rPr lang="en-US" sz="5000" b="1" dirty="0"/>
+              <a:t>P</a:t>
+            </a:r>
+            <a:r>
+              <a:rPr lang="en-US" sz="5000" b="1" dirty="0" smtClean="0"/>
+              <a:t>roject introduction</a:t>
             </a:r>
             <a:br>
-              <a:rPr lang="en-US" sz="5000" b="1" smtClean="0"/>
+              <a:rPr lang="en-US" sz="5000" b="1" dirty="0" smtClean="0"/>
             </a:br>
             <a:r>
-              <a:rPr lang="en-US" sz="5000" b="1" smtClean="0"/>
+              <a:rPr lang="en-US" sz="5000" b="1" dirty="0"/>
               <a:t/>
             </a:r>
             <a:br>
-              <a:rPr lang="en-US" sz="5000" b="1" smtClean="0"/>
+              <a:rPr lang="en-US" sz="5000" b="1" dirty="0"/>
             </a:br>
             <a:r>
-              <a:rPr lang="en-US" sz="4000" b="1" smtClean="0"/>
-              <a:t>background/context (1</a:t>
-            </a:r>
-            <a:r>
-              <a:rPr lang="en-US" sz="4000" b="1" baseline="30000" smtClean="0"/>
-              <a:t>st</a:t>
-            </a:r>
-            <a:r>
-              <a:rPr lang="en-US" sz="4000" b="1" smtClean="0"/>
-              <a:t> page)</a:t>
-            </a:r>
-            <a:r>
-              <a:rPr lang="en-US" sz="3300" b="1" smtClean="0"/>
+              <a:rPr lang="en-US" sz="5000" b="1" dirty="0" smtClean="0"/>
               <a:t/>
             </a:r>
             <a:br>
-              <a:rPr lang="en-US" sz="3300" b="1" smtClean="0"/>
+              <a:rPr lang="en-US" sz="5000" b="1" dirty="0" smtClean="0"/>
             </a:br>
             <a:r>
-              <a:rPr lang="en-US" sz="3300" smtClean="0"/>
-              <a:t>- kể lại câu chuyện hiện nay trên thị trường khi chưa có app của mình, thì có những app đối thủ ra sao, app gần giống ý tưởng app mình, và các problem. </a:t>
+              <a:rPr lang="en-US" sz="5000" b="1" dirty="0" smtClean="0"/>
+              <a:t/>
             </a:r>
             <a:br>
-              <a:rPr lang="en-US" sz="3300" smtClean="0"/>
+              <a:rPr lang="en-US" sz="5000" b="1" dirty="0" smtClean="0"/>
             </a:br>
-            <a:r>
-              <a:rPr lang="en-US" sz="3300" smtClean="0"/>
-              <a:t>{logo của các existing system}</a:t>
-            </a:r>
-            <a:br>
-              <a:rPr lang="en-US" sz="3300" smtClean="0"/>
-            </a:br>
-            <a:r>
-              <a:rPr lang="en-US" sz="3300" smtClean="0"/>
-              <a:t>{problem dạng gạch đầu dòng} //cấm ko copy &amp; paste đoạn văn</a:t>
-            </a:r>
-            <a:r>
-              <a:rPr lang="en-US" sz="3300" b="1" smtClean="0"/>
-              <a:t/>
-            </a:r>
-            <a:br>
-              <a:rPr lang="en-US" sz="3300" b="1" smtClean="0"/>
-            </a:br>
-            <a:r>
-              <a:rPr lang="en-US" sz="4000" b="1" smtClean="0"/>
-              <a:t>proposed solution (2</a:t>
-            </a:r>
-            <a:r>
-              <a:rPr lang="en-US" sz="4000" b="1" baseline="30000" smtClean="0"/>
-              <a:t>nd</a:t>
-            </a:r>
-            <a:r>
-              <a:rPr lang="en-US" sz="4000" b="1" smtClean="0"/>
-              <a:t>  page)</a:t>
-            </a:r>
-            <a:r>
-              <a:rPr lang="en-US" sz="3300" b="1" smtClean="0"/>
-              <a:t/>
-            </a:r>
-            <a:br>
-              <a:rPr lang="en-US" sz="3300" b="1" smtClean="0"/>
-            </a:br>
-            <a:r>
-              <a:rPr lang="en-US" sz="3300" smtClean="0"/>
-              <a:t>- vẽ 1 hình mô tả sơ lược về app gồm các actors/user --- luồng infor ra vào trong app</a:t>
-            </a:r>
-            <a:endParaRPr lang="en-US" sz="3300" b="1"/>
+            <a:endParaRPr lang="en-US" sz="3300" b="1" dirty="0"/>
+          </a:p>
+        </p:txBody>
+      </p:sp>
+      <p:sp>
+        <p:nvSpPr>
+          <p:cNvPr id="3" name="Title 1"/>
+          <p:cNvSpPr txBox="1">
+            <a:spLocks/>
+          </p:cNvSpPr>
+          <p:nvPr/>
+        </p:nvSpPr>
+        <p:spPr>
+          <a:xfrm>
+            <a:off x="674950" y="1369105"/>
+            <a:ext cx="10902461" cy="4807959"/>
+          </a:xfrm>
+          <a:prstGeom prst="rect">
+            <a:avLst/>
+          </a:prstGeom>
+        </p:spPr>
+        <p:txBody>
+          <a:bodyPr vert="horz" lIns="91440" tIns="45720" rIns="91440" bIns="45720" rtlCol="0" anchor="t">
+            <a:normAutofit fontScale="97500"/>
+          </a:bodyPr>
+          <a:lstStyle>
+            <a:lvl1pPr algn="ctr" defTabSz="914400" rtl="0" eaLnBrk="1" latinLnBrk="0" hangingPunct="1">
+              <a:lnSpc>
+                <a:spcPct val="90000"/>
+              </a:lnSpc>
+              <a:spcBef>
+                <a:spcPct val="0"/>
+              </a:spcBef>
+              <a:buNone/>
+              <a:defRPr sz="6000" kern="1200">
+                <a:solidFill>
+                  <a:schemeClr val="tx1"/>
+                </a:solidFill>
+                <a:latin typeface="+mj-lt"/>
+                <a:ea typeface="+mj-ea"/>
+                <a:cs typeface="+mj-cs"/>
+              </a:defRPr>
+            </a:lvl1pPr>
+          </a:lstStyle>
+          <a:p>
+            <a:pPr algn="l">
+              <a:lnSpc>
+                <a:spcPct val="100000"/>
+              </a:lnSpc>
+              <a:spcBef>
+                <a:spcPts val="800"/>
+              </a:spcBef>
+              <a:spcAft>
+                <a:spcPts val="800"/>
+              </a:spcAft>
+            </a:pPr>
+            <a:r>
+              <a:rPr lang="en-US" sz="3300" b="1" dirty="0" smtClean="0"/>
+              <a:t>A web app to allow customer, guest to:</a:t>
+            </a:r>
+          </a:p>
+          <a:p>
+            <a:pPr marL="457200" indent="-457200" algn="l">
+              <a:lnSpc>
+                <a:spcPct val="100000"/>
+              </a:lnSpc>
+              <a:spcBef>
+                <a:spcPts val="800"/>
+              </a:spcBef>
+              <a:spcAft>
+                <a:spcPts val="800"/>
+              </a:spcAft>
+              <a:buFont typeface="Arial" panose="020B0604020202020204" pitchFamily="34" charset="0"/>
+              <a:buChar char="•"/>
+            </a:pPr>
+            <a:r>
+              <a:rPr lang="en-US" sz="2900" b="1" dirty="0" smtClean="0"/>
+              <a:t>Send request for…</a:t>
+            </a:r>
+          </a:p>
+          <a:p>
+            <a:pPr marL="457200" indent="-457200" algn="l">
+              <a:lnSpc>
+                <a:spcPct val="100000"/>
+              </a:lnSpc>
+              <a:spcBef>
+                <a:spcPts val="800"/>
+              </a:spcBef>
+              <a:spcAft>
+                <a:spcPts val="800"/>
+              </a:spcAft>
+              <a:buFont typeface="Arial" panose="020B0604020202020204" pitchFamily="34" charset="0"/>
+              <a:buChar char="•"/>
+            </a:pPr>
+            <a:r>
+              <a:rPr lang="en-US" sz="2900" b="1" dirty="0" smtClean="0"/>
+              <a:t>Order</a:t>
+            </a:r>
+          </a:p>
+          <a:p>
+            <a:pPr marL="457200" indent="-457200" algn="l">
+              <a:lnSpc>
+                <a:spcPct val="100000"/>
+              </a:lnSpc>
+              <a:spcBef>
+                <a:spcPts val="800"/>
+              </a:spcBef>
+              <a:spcAft>
+                <a:spcPts val="800"/>
+              </a:spcAft>
+              <a:buFont typeface="Arial" panose="020B0604020202020204" pitchFamily="34" charset="0"/>
+              <a:buChar char="•"/>
+            </a:pPr>
+            <a:endParaRPr lang="en-US" sz="3300" b="1" dirty="0"/>
           </a:p>
         </p:txBody>
       </p:sp>
@@ -3619,43 +3961,155 @@
           <a:p>
             <a:pPr algn="l"/>
             <a:r>
-              <a:rPr lang="en-US" sz="5000" b="1" smtClean="0"/>
+              <a:rPr lang="en-US" sz="5000" b="1" dirty="0" smtClean="0"/>
               <a:t>project introduction (&gt;= 2 pages)</a:t>
             </a:r>
             <a:br>
-              <a:rPr lang="en-US" sz="5000" b="1" smtClean="0"/>
+              <a:rPr lang="en-US" sz="5000" b="1" dirty="0" smtClean="0"/>
             </a:br>
             <a:r>
-              <a:rPr lang="en-US" sz="5000" b="1" smtClean="0"/>
+              <a:rPr lang="en-US" sz="5000" b="1" dirty="0" smtClean="0"/>
               <a:t/>
             </a:r>
             <a:br>
-              <a:rPr lang="en-US" sz="5000" b="1" smtClean="0"/>
+              <a:rPr lang="en-US" sz="5000" b="1" dirty="0" smtClean="0"/>
             </a:br>
             <a:r>
-              <a:rPr lang="en-US" sz="4000" b="1" smtClean="0"/>
+              <a:rPr lang="en-US" sz="4000" b="1" dirty="0" smtClean="0"/>
               <a:t>proposed solution (2</a:t>
             </a:r>
             <a:r>
-              <a:rPr lang="en-US" sz="4000" b="1" baseline="30000" smtClean="0"/>
+              <a:rPr lang="en-US" sz="4000" b="1" baseline="30000" dirty="0" smtClean="0"/>
               <a:t>nd</a:t>
             </a:r>
             <a:r>
-              <a:rPr lang="en-US" sz="4000" b="1" smtClean="0"/>
+              <a:rPr lang="en-US" sz="4000" b="1" dirty="0" smtClean="0"/>
               <a:t>  page)</a:t>
             </a:r>
             <a:r>
-              <a:rPr lang="en-US" sz="3300" b="1" smtClean="0"/>
+              <a:rPr lang="en-US" sz="3300" b="1" dirty="0" smtClean="0"/>
               <a:t/>
             </a:r>
             <a:br>
-              <a:rPr lang="en-US" sz="3300" b="1" smtClean="0"/>
+              <a:rPr lang="en-US" sz="3300" b="1" dirty="0" smtClean="0"/>
             </a:br>
             <a:r>
-              <a:rPr lang="en-US" sz="3300" smtClean="0"/>
-              <a:t>- vẽ 1 hình mô tả sơ lược về app gồm các actors/user --- luồng infor ra vào trong app</a:t>
-            </a:r>
-            <a:endParaRPr lang="en-US" sz="3300" b="1"/>
+              <a:rPr lang="en-US" sz="3300" dirty="0" smtClean="0"/>
+              <a:t>- </a:t>
+            </a:r>
+            <a:r>
+              <a:rPr lang="en-US" sz="3300" dirty="0" err="1" smtClean="0"/>
+              <a:t>vẽ</a:t>
+            </a:r>
+            <a:r>
+              <a:rPr lang="en-US" sz="3300" dirty="0" smtClean="0"/>
+              <a:t> 1 </a:t>
+            </a:r>
+            <a:r>
+              <a:rPr lang="en-US" sz="3300" dirty="0" err="1" smtClean="0"/>
+              <a:t>hình</a:t>
+            </a:r>
+            <a:r>
+              <a:rPr lang="en-US" sz="3300" dirty="0" smtClean="0"/>
+              <a:t> </a:t>
+            </a:r>
+            <a:r>
+              <a:rPr lang="en-US" sz="3300" dirty="0" err="1" smtClean="0"/>
+              <a:t>mô</a:t>
+            </a:r>
+            <a:r>
+              <a:rPr lang="en-US" sz="3300" dirty="0" smtClean="0"/>
+              <a:t> </a:t>
+            </a:r>
+            <a:r>
+              <a:rPr lang="en-US" sz="3300" dirty="0" err="1" smtClean="0"/>
+              <a:t>tả</a:t>
+            </a:r>
+            <a:r>
+              <a:rPr lang="en-US" sz="3300" dirty="0" smtClean="0"/>
+              <a:t> </a:t>
+            </a:r>
+            <a:r>
+              <a:rPr lang="en-US" sz="3300" dirty="0" err="1" smtClean="0"/>
+              <a:t>sơ</a:t>
+            </a:r>
+            <a:r>
+              <a:rPr lang="en-US" sz="3300" dirty="0" smtClean="0"/>
+              <a:t> </a:t>
+            </a:r>
+            <a:r>
+              <a:rPr lang="en-US" sz="3300" dirty="0" err="1" smtClean="0"/>
+              <a:t>lược</a:t>
+            </a:r>
+            <a:r>
+              <a:rPr lang="en-US" sz="3300" dirty="0" smtClean="0"/>
+              <a:t> </a:t>
+            </a:r>
+            <a:r>
+              <a:rPr lang="en-US" sz="3300" dirty="0" err="1" smtClean="0"/>
+              <a:t>về</a:t>
+            </a:r>
+            <a:r>
+              <a:rPr lang="en-US" sz="3300" dirty="0" smtClean="0"/>
+              <a:t> app </a:t>
+            </a:r>
+            <a:r>
+              <a:rPr lang="en-US" sz="3300" dirty="0" err="1" smtClean="0"/>
+              <a:t>gồm</a:t>
+            </a:r>
+            <a:r>
+              <a:rPr lang="en-US" sz="3300" dirty="0" smtClean="0"/>
+              <a:t> </a:t>
+            </a:r>
+            <a:r>
+              <a:rPr lang="en-US" sz="3300" dirty="0" err="1" smtClean="0"/>
+              <a:t>các</a:t>
+            </a:r>
+            <a:r>
+              <a:rPr lang="en-US" sz="3300" dirty="0" smtClean="0"/>
+              <a:t> actors/user --- </a:t>
+            </a:r>
+            <a:r>
+              <a:rPr lang="en-US" sz="3300" dirty="0" err="1" smtClean="0"/>
+              <a:t>luồng</a:t>
+            </a:r>
+            <a:r>
+              <a:rPr lang="en-US" sz="3300" dirty="0" smtClean="0"/>
+              <a:t> </a:t>
+            </a:r>
+            <a:r>
+              <a:rPr lang="en-US" sz="3300" dirty="0" err="1" smtClean="0"/>
+              <a:t>infor</a:t>
+            </a:r>
+            <a:r>
+              <a:rPr lang="en-US" sz="3300" dirty="0" smtClean="0"/>
+              <a:t> </a:t>
+            </a:r>
+            <a:r>
+              <a:rPr lang="en-US" sz="3300" dirty="0" err="1" smtClean="0"/>
+              <a:t>ra</a:t>
+            </a:r>
+            <a:r>
+              <a:rPr lang="en-US" sz="3300" dirty="0" smtClean="0"/>
+              <a:t> </a:t>
+            </a:r>
+            <a:r>
+              <a:rPr lang="en-US" sz="3300" dirty="0" err="1" smtClean="0"/>
+              <a:t>vào</a:t>
+            </a:r>
+            <a:r>
+              <a:rPr lang="en-US" sz="3300" dirty="0" smtClean="0"/>
+              <a:t> </a:t>
+            </a:r>
+            <a:r>
+              <a:rPr lang="en-US" sz="3300" dirty="0" err="1" smtClean="0"/>
+              <a:t>trong</a:t>
+            </a:r>
+            <a:r>
+              <a:rPr lang="en-US" sz="3300" dirty="0" smtClean="0"/>
+              <a:t> app</a:t>
+            </a:r>
+            <a:endParaRPr lang="en-US" sz="3300" b="1" dirty="0"/>
           </a:p>
         </p:txBody>
       </p:sp>
@@ -3836,39 +4290,44 @@
           <a:lstStyle/>
           <a:p>
             <a:r>
-              <a:rPr lang="en-US" sz="2800" b="1" smtClean="0"/>
+              <a:rPr lang="en-US" sz="2800" b="1" dirty="0" smtClean="0"/>
               <a:t>Tech stacks</a:t>
             </a:r>
           </a:p>
           <a:p>
             <a:r>
-              <a:rPr lang="en-US" sz="2400" b="1" smtClean="0"/>
+              <a:rPr lang="en-US" sz="2400" b="1" dirty="0" smtClean="0"/>
               <a:t>Back-end</a:t>
             </a:r>
           </a:p>
           <a:p>
             <a:r>
-              <a:rPr lang="en-US"/>
+              <a:rPr lang="en-US" dirty="0"/>
               <a:t> </a:t>
             </a:r>
             <a:r>
-              <a:rPr lang="en-US" smtClean="0"/>
+              <a:rPr lang="en-US" dirty="0" smtClean="0"/>
               <a:t>- .NET, EF</a:t>
             </a:r>
           </a:p>
           <a:p>
             <a:r>
-              <a:rPr lang="en-US"/>
+              <a:rPr lang="en-US" dirty="0"/>
               <a:t> </a:t>
             </a:r>
             <a:r>
-              <a:rPr lang="en-US" smtClean="0"/>
-              <a:t>- SpringBoot</a:t>
-            </a:r>
-          </a:p>
-          <a:p>
-            <a:r>
-              <a:rPr lang="en-US" sz="2400" b="1"/>
+              <a:rPr lang="en-US" dirty="0" smtClean="0"/>
+              <a:t>- </a:t>
+            </a:r>
+            <a:r>
+              <a:rPr lang="en-US" dirty="0" err="1" smtClean="0"/>
+              <a:t>SpringBoot</a:t>
+            </a:r>
+            <a:endParaRPr lang="en-US" dirty="0" smtClean="0"/>
+          </a:p>
+          <a:p>
+            <a:r>
+              <a:rPr lang="en-US" sz="2400" b="1" dirty="0"/>
               <a:t>Front-end</a:t>
             </a:r>
           </a:p>
@@ -3878,15 +4337,16 @@
               <a:buChar char="-"/>
             </a:pPr>
             <a:r>
-              <a:rPr lang="en-US" smtClean="0"/>
+              <a:rPr lang="en-US" dirty="0" smtClean="0"/>
               <a:t>…</a:t>
             </a:r>
           </a:p>
           <a:p>
             <a:r>
-              <a:rPr lang="en-US" sz="2400" b="1"/>
+              <a:rPr lang="en-US" sz="2400" b="1" dirty="0" err="1"/>
               <a:t>Deployement</a:t>
             </a:r>
+            <a:endParaRPr lang="en-US" sz="2400" b="1" dirty="0"/>
           </a:p>
           <a:p>
             <a:pPr marL="285750" indent="-285750">
@@ -3894,7 +4354,7 @@
               <a:buChar char="-"/>
             </a:pPr>
             <a:r>
-              <a:rPr lang="en-US" smtClean="0"/>
+              <a:rPr lang="en-US" dirty="0" smtClean="0"/>
               <a:t>Azure, AWS</a:t>
             </a:r>
           </a:p>
@@ -3903,7 +4363,7 @@
               <a:buFontTx/>
               <a:buChar char="-"/>
             </a:pPr>
-            <a:endParaRPr lang="en-US"/>
+            <a:endParaRPr lang="en-US" dirty="0"/>
           </a:p>
         </p:txBody>
       </p:sp>
@@ -4075,7 +4535,7 @@
               <a:buChar char="•"/>
             </a:pPr>
             <a:r>
-              <a:rPr lang="en-US" sz="2800" smtClean="0"/>
+              <a:rPr lang="en-US" sz="2800" dirty="0" smtClean="0"/>
               <a:t>{icon} Manage orders</a:t>
             </a:r>
           </a:p>
@@ -4085,7 +4545,7 @@
               <a:buChar char="•"/>
             </a:pPr>
             <a:r>
-              <a:rPr lang="en-US" sz="2800" smtClean="0"/>
+              <a:rPr lang="en-US" sz="2800" dirty="0" smtClean="0"/>
               <a:t>Manage cart</a:t>
             </a:r>
           </a:p>
@@ -4095,10 +4555,10 @@
               <a:buChar char="•"/>
             </a:pPr>
             <a:r>
-              <a:rPr lang="en-US" sz="2800" smtClean="0"/>
+              <a:rPr lang="en-US" sz="2800" dirty="0" smtClean="0"/>
               <a:t>{icon} Manage …</a:t>
             </a:r>
-            <a:endParaRPr lang="en-US" sz="2800"/>
+            <a:endParaRPr lang="en-US" sz="2800" dirty="0"/>
           </a:p>
         </p:txBody>
       </p:sp>
@@ -4125,14 +4585,14 @@
           <a:lstStyle/>
           <a:p>
             <a:r>
-              <a:rPr lang="en-US" sz="2500" b="1"/>
+              <a:rPr lang="en-US" sz="2500" b="1" dirty="0"/>
               <a:t>A</a:t>
             </a:r>
             <a:r>
-              <a:rPr lang="en-US" sz="2500" b="1" smtClean="0"/>
+              <a:rPr lang="en-US" sz="2500" b="1" dirty="0" smtClean="0"/>
               <a:t>dmin</a:t>
             </a:r>
-            <a:endParaRPr lang="en-US" sz="2500" b="1"/>
+            <a:endParaRPr lang="en-US" sz="2500" b="1" dirty="0"/>
           </a:p>
         </p:txBody>
       </p:sp>
@@ -4183,10 +4643,10 @@
           <a:lstStyle/>
           <a:p>
             <a:r>
-              <a:rPr lang="en-US" sz="2500" b="1" smtClean="0"/>
+              <a:rPr lang="en-US" sz="2500" b="1" dirty="0" smtClean="0"/>
               <a:t>Customer</a:t>
             </a:r>
-            <a:endParaRPr lang="en-US" sz="2500" b="1"/>
+            <a:endParaRPr lang="en-US" sz="2500" b="1" dirty="0"/>
           </a:p>
         </p:txBody>
       </p:sp>
@@ -4198,7 +4658,7 @@
         </p:nvSpPr>
         <p:spPr>
           <a:xfrm>
-            <a:off x="525313" y="3223404"/>
+            <a:off x="799643" y="2783356"/>
             <a:ext cx="3595238" cy="2246769"/>
           </a:xfrm>
           <a:prstGeom prst="rect">
@@ -4217,7 +4677,7 @@
               <a:buChar char="•"/>
             </a:pPr>
             <a:r>
-              <a:rPr lang="en-US" sz="2800" smtClean="0"/>
+              <a:rPr lang="en-US" sz="2800" dirty="0" smtClean="0"/>
               <a:t>{icon} Manage users</a:t>
             </a:r>
           </a:p>
@@ -4227,7 +4687,7 @@
               <a:buChar char="•"/>
             </a:pPr>
             <a:r>
-              <a:rPr lang="en-US" sz="2800" smtClean="0"/>
+              <a:rPr lang="en-US" sz="2800" dirty="0" smtClean="0"/>
               <a:t>{icon} Manager products</a:t>
             </a:r>
           </a:p>
@@ -4237,7 +4697,7 @@
               <a:buChar char="•"/>
             </a:pPr>
             <a:r>
-              <a:rPr lang="en-US" sz="2800" smtClean="0"/>
+              <a:rPr lang="en-US" sz="2800" dirty="0" smtClean="0"/>
               <a:t>{icon} Manage …</a:t>
             </a:r>
           </a:p>
@@ -4247,10 +4707,10 @@
               <a:buChar char="•"/>
             </a:pPr>
             <a:r>
-              <a:rPr lang="en-US" sz="2800" smtClean="0"/>
-              <a:t>{icon} Dashboard</a:t>
-            </a:r>
-            <a:endParaRPr lang="en-US" sz="2800"/>
+              <a:rPr lang="en-US" sz="2800" dirty="0" smtClean="0"/>
+              <a:t>Dashboard</a:t>
+            </a:r>
+            <a:endParaRPr lang="en-US" sz="2800" dirty="0"/>
           </a:p>
         </p:txBody>
       </p:sp>
@@ -4270,12 +4730,53 @@
         </p:blipFill>
         <p:spPr>
           <a:xfrm>
-            <a:off x="4835356" y="3637208"/>
+            <a:off x="4835356" y="3234819"/>
             <a:ext cx="535924" cy="580215"/>
           </a:xfrm>
           <a:prstGeom prst="rect">
             <a:avLst/>
           </a:prstGeom>
+        </p:spPr>
+      </p:pic>
+      <p:pic>
+        <p:nvPicPr>
+          <p:cNvPr id="1026" name="Picture 2" descr="Dashboard Icon Blue"/>
+          <p:cNvPicPr>
+            <a:picLocks noChangeAspect="1" noChangeArrowheads="1"/>
+          </p:cNvPicPr>
+          <p:nvPr/>
+        </p:nvPicPr>
+        <p:blipFill>
+          <a:blip r:embed="rId5" cstate="print">
+            <a:extLst>
+              <a:ext uri="{28A0092B-C50C-407E-A947-70E740481C1C}">
+                <a14:useLocalDpi xmlns:a14="http://schemas.microsoft.com/office/drawing/2010/main" val="0"/>
+              </a:ext>
+            </a:extLst>
+          </a:blip>
+          <a:srcRect/>
+          <a:stretch>
+            <a:fillRect/>
+          </a:stretch>
+        </p:blipFill>
+        <p:spPr bwMode="auto">
+          <a:xfrm>
+            <a:off x="487547" y="4437372"/>
+            <a:ext cx="624192" cy="624192"/>
+          </a:xfrm>
+          <a:prstGeom prst="rect">
+            <a:avLst/>
+          </a:prstGeom>
+          <a:noFill/>
+          <a:extLst>
+            <a:ext uri="{909E8E84-426E-40DD-AFC4-6F175D3DCCD1}">
+              <a14:hiddenFill xmlns:a14="http://schemas.microsoft.com/office/drawing/2010/main">
+                <a:solidFill>
+                  <a:srgbClr val="FFFFFF"/>
+                </a:solidFill>
+              </a14:hiddenFill>
+            </a:ext>
+          </a:extLst>
         </p:spPr>
       </p:pic>
     </p:spTree>
@@ -4549,7 +5050,7 @@
               <a:buChar char="•"/>
             </a:pPr>
             <a:r>
-              <a:rPr lang="en-US" sz="2800" smtClean="0"/>
+              <a:rPr lang="en-US" sz="2800" dirty="0" smtClean="0"/>
               <a:t>{icon} Manage users</a:t>
             </a:r>
           </a:p>
@@ -4559,7 +5060,7 @@
               <a:buChar char="•"/>
             </a:pPr>
             <a:r>
-              <a:rPr lang="en-US" sz="2800" smtClean="0"/>
+              <a:rPr lang="en-US" sz="2800" dirty="0" smtClean="0"/>
               <a:t>{icon} Manager products</a:t>
             </a:r>
           </a:p>
@@ -4569,7 +5070,7 @@
               <a:buChar char="•"/>
             </a:pPr>
             <a:r>
-              <a:rPr lang="en-US" sz="2800" smtClean="0"/>
+              <a:rPr lang="en-US" sz="2800" dirty="0" smtClean="0"/>
               <a:t>{icon} Manage …</a:t>
             </a:r>
           </a:p>
@@ -4579,10 +5080,10 @@
               <a:buChar char="•"/>
             </a:pPr>
             <a:r>
-              <a:rPr lang="en-US" sz="2800" smtClean="0"/>
+              <a:rPr lang="en-US" sz="2800" dirty="0" smtClean="0"/>
               <a:t>{icon} Dashboard</a:t>
             </a:r>
-            <a:endParaRPr lang="en-US" sz="2800"/>
+            <a:endParaRPr lang="en-US" sz="2800" dirty="0"/>
           </a:p>
         </p:txBody>
       </p:sp>
@@ -4788,10 +5289,10 @@
           <a:lstStyle/>
           <a:p>
             <a:r>
-              <a:rPr lang="en-US" sz="2500" b="1" smtClean="0"/>
+              <a:rPr lang="en-US" sz="2500" b="1" dirty="0" smtClean="0"/>
               <a:t>Scenario 1: Customer is looking for a specific product before using/ordering…</a:t>
             </a:r>
-            <a:endParaRPr lang="en-US" sz="2500" b="1"/>
+            <a:endParaRPr lang="en-US" sz="2500" b="1" dirty="0"/>
           </a:p>
         </p:txBody>
       </p:sp>
@@ -5295,7 +5796,7 @@
             <a:pPr algn="l"/>
             <a:r>
               <a:rPr lang="en-US" sz="5400" b="1" smtClean="0"/>
-              <a:t>outcomes (2 pages)</a:t>
+              <a:t>demonstration (pages)</a:t>
             </a:r>
             <a:br>
               <a:rPr lang="en-US" sz="5400" b="1" smtClean="0"/>
@@ -5306,14 +5807,14 @@
       </p:sp>
       <p:sp>
         <p:nvSpPr>
-          <p:cNvPr id="12" name="TextBox 11"/>
+          <p:cNvPr id="6" name="TextBox 5"/>
           <p:cNvSpPr txBox="1"/>
           <p:nvPr/>
         </p:nvSpPr>
         <p:spPr>
           <a:xfrm>
-            <a:off x="726831" y="1578745"/>
-            <a:ext cx="8709115" cy="4708981"/>
+            <a:off x="3824916" y="3963476"/>
+            <a:ext cx="1476686" cy="477054"/>
           </a:xfrm>
           <a:prstGeom prst="rect">
             <a:avLst/>
@@ -5327,83 +5828,547 @@
           <a:lstStyle/>
           <a:p>
             <a:r>
+              <a:rPr lang="en-US" sz="2500" b="1" dirty="0" smtClean="0"/>
+              <a:t>App </a:t>
+            </a:r>
+            <a:r>
+              <a:rPr lang="en-US" sz="2500" b="1" dirty="0" err="1" smtClean="0"/>
+              <a:t>mình</a:t>
+            </a:r>
+            <a:endParaRPr lang="en-US" sz="2500" b="1" dirty="0"/>
+          </a:p>
+        </p:txBody>
+      </p:sp>
+      <p:pic>
+        <p:nvPicPr>
+          <p:cNvPr id="8" name="Picture 7"/>
+          <p:cNvPicPr>
+            <a:picLocks noChangeAspect="1"/>
+          </p:cNvPicPr>
+          <p:nvPr/>
+        </p:nvPicPr>
+        <p:blipFill>
+          <a:blip r:embed="rId2"/>
+          <a:stretch>
+            <a:fillRect/>
+          </a:stretch>
+        </p:blipFill>
+        <p:spPr>
+          <a:xfrm>
+            <a:off x="540499" y="2652852"/>
+            <a:ext cx="1181100" cy="1181100"/>
+          </a:xfrm>
+          <a:prstGeom prst="rect">
+            <a:avLst/>
+          </a:prstGeom>
+        </p:spPr>
+      </p:pic>
+      <p:sp>
+        <p:nvSpPr>
+          <p:cNvPr id="9" name="TextBox 8"/>
+          <p:cNvSpPr txBox="1"/>
+          <p:nvPr/>
+        </p:nvSpPr>
+        <p:spPr>
+          <a:xfrm>
+            <a:off x="396873" y="4117786"/>
+            <a:ext cx="1468351" cy="477054"/>
+          </a:xfrm>
+          <a:prstGeom prst="rect">
+            <a:avLst/>
+          </a:prstGeom>
+          <a:noFill/>
+        </p:spPr>
+        <p:txBody>
+          <a:bodyPr wrap="none" rtlCol="0">
+            <a:spAutoFit/>
+          </a:bodyPr>
+          <a:lstStyle/>
+          <a:p>
+            <a:r>
               <a:rPr lang="en-US" sz="2500" b="1" smtClean="0"/>
-              <a:t>TỔNG KẾT LẠI NHỮNG GÌ ĐÃ ĐẠT ĐC SAU KHI KẾT THÚC DỰ ÁN, </a:t>
-            </a:r>
-          </a:p>
+              <a:t>Customer</a:t>
+            </a:r>
+            <a:endParaRPr lang="en-US" sz="2500" b="1"/>
+          </a:p>
+        </p:txBody>
+      </p:sp>
+      <p:sp>
+        <p:nvSpPr>
+          <p:cNvPr id="12" name="TextBox 11"/>
+          <p:cNvSpPr txBox="1"/>
+          <p:nvPr/>
+        </p:nvSpPr>
+        <p:spPr>
+          <a:xfrm>
+            <a:off x="726831" y="1578745"/>
+            <a:ext cx="5320559" cy="477054"/>
+          </a:xfrm>
+          <a:prstGeom prst="rect">
+            <a:avLst/>
+          </a:prstGeom>
+          <a:noFill/>
+        </p:spPr>
+        <p:txBody>
+          <a:bodyPr wrap="none" rtlCol="0">
+            <a:spAutoFit/>
+          </a:bodyPr>
+          <a:lstStyle/>
+          <a:p>
+            <a:r>
+              <a:rPr lang="en-US" sz="2500" b="1" dirty="0" smtClean="0"/>
+              <a:t>Scenario </a:t>
+            </a:r>
+            <a:r>
+              <a:rPr lang="en-US" sz="2500" b="1" dirty="0" smtClean="0"/>
+              <a:t>2: Custome</a:t>
+            </a:r>
+            <a:r>
+              <a:rPr lang="en-US" sz="2500" b="1" dirty="0" smtClean="0"/>
+              <a:t>r orders, sends ….</a:t>
+            </a:r>
+            <a:endParaRPr lang="en-US" sz="2500" b="1" dirty="0"/>
+          </a:p>
+        </p:txBody>
+      </p:sp>
+      <p:pic>
+        <p:nvPicPr>
+          <p:cNvPr id="3" name="Picture 2"/>
+          <p:cNvPicPr>
+            <a:picLocks noChangeAspect="1"/>
+          </p:cNvPicPr>
+          <p:nvPr/>
+        </p:nvPicPr>
+        <p:blipFill>
+          <a:blip r:embed="rId3"/>
+          <a:stretch>
+            <a:fillRect/>
+          </a:stretch>
+        </p:blipFill>
+        <p:spPr>
+          <a:xfrm>
+            <a:off x="3693469" y="2652852"/>
+            <a:ext cx="1876425" cy="1190625"/>
+          </a:xfrm>
+          <a:prstGeom prst="rect">
+            <a:avLst/>
+          </a:prstGeom>
+        </p:spPr>
+      </p:pic>
+      <p:cxnSp>
+        <p:nvCxnSpPr>
+          <p:cNvPr id="13" name="Straight Arrow Connector 12"/>
+          <p:cNvCxnSpPr/>
+          <p:nvPr/>
+        </p:nvCxnSpPr>
+        <p:spPr>
+          <a:xfrm>
+            <a:off x="1865224" y="3157268"/>
+            <a:ext cx="1723365" cy="8626"/>
+          </a:xfrm>
+          <a:prstGeom prst="straightConnector1">
+            <a:avLst/>
+          </a:prstGeom>
+          <a:ln>
+            <a:tailEnd type="triangle"/>
+          </a:ln>
+        </p:spPr>
+        <p:style>
+          <a:lnRef idx="1">
+            <a:schemeClr val="accent1"/>
+          </a:lnRef>
+          <a:fillRef idx="0">
+            <a:schemeClr val="accent1"/>
+          </a:fillRef>
+          <a:effectRef idx="0">
+            <a:schemeClr val="accent1"/>
+          </a:effectRef>
+          <a:fontRef idx="minor">
+            <a:schemeClr val="tx1"/>
+          </a:fontRef>
+        </p:style>
+      </p:cxnSp>
+      <p:cxnSp>
+        <p:nvCxnSpPr>
+          <p:cNvPr id="14" name="Straight Arrow Connector 13"/>
+          <p:cNvCxnSpPr/>
+          <p:nvPr/>
+        </p:nvCxnSpPr>
+        <p:spPr>
+          <a:xfrm>
+            <a:off x="5802105" y="3152955"/>
+            <a:ext cx="1723365" cy="8626"/>
+          </a:xfrm>
+          <a:prstGeom prst="straightConnector1">
+            <a:avLst/>
+          </a:prstGeom>
+          <a:ln>
+            <a:tailEnd type="triangle"/>
+          </a:ln>
+        </p:spPr>
+        <p:style>
+          <a:lnRef idx="1">
+            <a:schemeClr val="accent1"/>
+          </a:lnRef>
+          <a:fillRef idx="0">
+            <a:schemeClr val="accent1"/>
+          </a:fillRef>
+          <a:effectRef idx="0">
+            <a:schemeClr val="accent1"/>
+          </a:effectRef>
+          <a:fontRef idx="minor">
+            <a:schemeClr val="tx1"/>
+          </a:fontRef>
+        </p:style>
+      </p:cxnSp>
+      <p:pic>
+        <p:nvPicPr>
+          <p:cNvPr id="16" name="Picture 15"/>
+          <p:cNvPicPr>
+            <a:picLocks noChangeAspect="1"/>
+          </p:cNvPicPr>
+          <p:nvPr/>
+        </p:nvPicPr>
+        <p:blipFill>
+          <a:blip r:embed="rId4"/>
+          <a:stretch>
+            <a:fillRect/>
+          </a:stretch>
+        </p:blipFill>
+        <p:spPr>
+          <a:xfrm>
+            <a:off x="7637014" y="2638564"/>
+            <a:ext cx="1209675" cy="1209675"/>
+          </a:xfrm>
+          <a:prstGeom prst="rect">
+            <a:avLst/>
+          </a:prstGeom>
+        </p:spPr>
+      </p:pic>
+      <p:cxnSp>
+        <p:nvCxnSpPr>
+          <p:cNvPr id="17" name="Straight Arrow Connector 16"/>
+          <p:cNvCxnSpPr/>
+          <p:nvPr/>
+        </p:nvCxnSpPr>
+        <p:spPr>
+          <a:xfrm>
+            <a:off x="9153588" y="3239088"/>
+            <a:ext cx="1723365" cy="8626"/>
+          </a:xfrm>
+          <a:prstGeom prst="straightConnector1">
+            <a:avLst/>
+          </a:prstGeom>
+          <a:ln>
+            <a:tailEnd type="triangle"/>
+          </a:ln>
+        </p:spPr>
+        <p:style>
+          <a:lnRef idx="1">
+            <a:schemeClr val="accent1"/>
+          </a:lnRef>
+          <a:fillRef idx="0">
+            <a:schemeClr val="accent1"/>
+          </a:fillRef>
+          <a:effectRef idx="0">
+            <a:schemeClr val="accent1"/>
+          </a:effectRef>
+          <a:fontRef idx="minor">
+            <a:schemeClr val="tx1"/>
+          </a:fontRef>
+        </p:style>
+      </p:cxnSp>
+      <p:sp>
+        <p:nvSpPr>
+          <p:cNvPr id="18" name="TextBox 17"/>
+          <p:cNvSpPr txBox="1"/>
+          <p:nvPr/>
+        </p:nvSpPr>
+        <p:spPr>
+          <a:xfrm>
+            <a:off x="1953810" y="3267446"/>
+            <a:ext cx="1479892" cy="477054"/>
+          </a:xfrm>
+          <a:prstGeom prst="rect">
+            <a:avLst/>
+          </a:prstGeom>
+          <a:noFill/>
+        </p:spPr>
+        <p:txBody>
+          <a:bodyPr wrap="none" rtlCol="0">
+            <a:spAutoFit/>
+          </a:bodyPr>
+          <a:lstStyle/>
+          <a:p>
+            <a:r>
+              <a:rPr lang="en-US" sz="2500" dirty="0" smtClean="0"/>
+              <a:t>Open app</a:t>
+            </a:r>
+            <a:endParaRPr lang="en-US" sz="2500" dirty="0"/>
+          </a:p>
+        </p:txBody>
+      </p:sp>
+      <p:sp>
+        <p:nvSpPr>
+          <p:cNvPr id="19" name="TextBox 18"/>
+          <p:cNvSpPr txBox="1"/>
+          <p:nvPr/>
+        </p:nvSpPr>
+        <p:spPr>
+          <a:xfrm>
+            <a:off x="5925444" y="3267446"/>
+            <a:ext cx="1444883" cy="477054"/>
+          </a:xfrm>
+          <a:prstGeom prst="rect">
+            <a:avLst/>
+          </a:prstGeom>
+          <a:noFill/>
+        </p:spPr>
+        <p:txBody>
+          <a:bodyPr wrap="none" rtlCol="0">
+            <a:spAutoFit/>
+          </a:bodyPr>
+          <a:lstStyle/>
+          <a:p>
+            <a:r>
+              <a:rPr lang="en-US" sz="2500" dirty="0" smtClean="0"/>
+              <a:t>Search </a:t>
+            </a:r>
+            <a:r>
+              <a:rPr lang="en-US" sz="2500" dirty="0" err="1" smtClean="0"/>
+              <a:t>sp</a:t>
+            </a:r>
+            <a:endParaRPr lang="en-US" sz="2500" dirty="0"/>
+          </a:p>
+        </p:txBody>
+      </p:sp>
+      <p:sp>
+        <p:nvSpPr>
+          <p:cNvPr id="20" name="TextBox 19"/>
+          <p:cNvSpPr txBox="1"/>
+          <p:nvPr/>
+        </p:nvSpPr>
+        <p:spPr>
+          <a:xfrm>
+            <a:off x="9113376" y="3294170"/>
+            <a:ext cx="1631409" cy="477054"/>
+          </a:xfrm>
+          <a:prstGeom prst="rect">
+            <a:avLst/>
+          </a:prstGeom>
+          <a:noFill/>
+        </p:spPr>
+        <p:txBody>
+          <a:bodyPr wrap="none" rtlCol="0">
+            <a:spAutoFit/>
+          </a:bodyPr>
+          <a:lstStyle/>
+          <a:p>
+            <a:r>
+              <a:rPr lang="en-US" sz="2500" dirty="0" smtClean="0"/>
+              <a:t>View detail</a:t>
+            </a:r>
+            <a:endParaRPr lang="en-US" sz="2500" dirty="0"/>
+          </a:p>
+        </p:txBody>
+      </p:sp>
+      <p:pic>
+        <p:nvPicPr>
+          <p:cNvPr id="22" name="Picture 21"/>
+          <p:cNvPicPr>
+            <a:picLocks noChangeAspect="1"/>
+          </p:cNvPicPr>
+          <p:nvPr/>
+        </p:nvPicPr>
+        <p:blipFill>
+          <a:blip r:embed="rId5"/>
+          <a:stretch>
+            <a:fillRect/>
+          </a:stretch>
+        </p:blipFill>
+        <p:spPr>
+          <a:xfrm>
+            <a:off x="10876953" y="2628224"/>
+            <a:ext cx="1143000" cy="1143000"/>
+          </a:xfrm>
+          <a:prstGeom prst="rect">
+            <a:avLst/>
+          </a:prstGeom>
+        </p:spPr>
+      </p:pic>
+      <p:sp>
+        <p:nvSpPr>
+          <p:cNvPr id="23" name="TextBox 22"/>
+          <p:cNvSpPr txBox="1"/>
+          <p:nvPr/>
+        </p:nvSpPr>
+        <p:spPr>
+          <a:xfrm>
+            <a:off x="7503508" y="3953950"/>
+            <a:ext cx="1011944" cy="477054"/>
+          </a:xfrm>
+          <a:prstGeom prst="rect">
+            <a:avLst/>
+          </a:prstGeom>
+          <a:noFill/>
+        </p:spPr>
+        <p:txBody>
+          <a:bodyPr wrap="none" rtlCol="0">
+            <a:spAutoFit/>
+          </a:bodyPr>
+          <a:lstStyle/>
+          <a:p>
+            <a:r>
+              <a:rPr lang="en-US" sz="2500" b="1" dirty="0" smtClean="0"/>
+              <a:t>Result</a:t>
+            </a:r>
+            <a:endParaRPr lang="en-US" sz="2500" b="1" dirty="0"/>
+          </a:p>
+        </p:txBody>
+      </p:sp>
+      <p:sp>
+        <p:nvSpPr>
+          <p:cNvPr id="24" name="TextBox 23"/>
+          <p:cNvSpPr txBox="1"/>
+          <p:nvPr/>
+        </p:nvSpPr>
+        <p:spPr>
+          <a:xfrm>
+            <a:off x="10965131" y="3938239"/>
+            <a:ext cx="1225913" cy="477054"/>
+          </a:xfrm>
+          <a:prstGeom prst="rect">
+            <a:avLst/>
+          </a:prstGeom>
+          <a:noFill/>
+        </p:spPr>
+        <p:txBody>
+          <a:bodyPr wrap="none" rtlCol="0">
+            <a:spAutoFit/>
+          </a:bodyPr>
+          <a:lstStyle/>
+          <a:p>
+            <a:r>
+              <a:rPr lang="en-US" sz="2500" b="1" dirty="0" smtClean="0"/>
+              <a:t>Product</a:t>
+            </a:r>
+            <a:endParaRPr lang="en-US" sz="2500" b="1" dirty="0"/>
+          </a:p>
+        </p:txBody>
+      </p:sp>
+      <p:cxnSp>
+        <p:nvCxnSpPr>
+          <p:cNvPr id="26" name="Straight Arrow Connector 25"/>
+          <p:cNvCxnSpPr/>
+          <p:nvPr/>
+        </p:nvCxnSpPr>
+        <p:spPr>
+          <a:xfrm>
+            <a:off x="4865298" y="4520242"/>
+            <a:ext cx="0" cy="724618"/>
+          </a:xfrm>
+          <a:prstGeom prst="straightConnector1">
+            <a:avLst/>
+          </a:prstGeom>
+          <a:ln>
+            <a:tailEnd type="triangle"/>
+          </a:ln>
+        </p:spPr>
+        <p:style>
+          <a:lnRef idx="1">
+            <a:schemeClr val="accent1"/>
+          </a:lnRef>
+          <a:fillRef idx="0">
+            <a:schemeClr val="accent1"/>
+          </a:fillRef>
+          <a:effectRef idx="0">
+            <a:schemeClr val="accent1"/>
+          </a:effectRef>
+          <a:fontRef idx="minor">
+            <a:schemeClr val="tx1"/>
+          </a:fontRef>
+        </p:style>
+      </p:cxnSp>
+      <p:pic>
+        <p:nvPicPr>
+          <p:cNvPr id="27" name="Picture 26"/>
+          <p:cNvPicPr>
+            <a:picLocks noChangeAspect="1"/>
+          </p:cNvPicPr>
+          <p:nvPr/>
+        </p:nvPicPr>
+        <p:blipFill>
+          <a:blip r:embed="rId6"/>
+          <a:stretch>
+            <a:fillRect/>
+          </a:stretch>
+        </p:blipFill>
+        <p:spPr>
+          <a:xfrm>
+            <a:off x="4217148" y="5418916"/>
+            <a:ext cx="1152525" cy="1247775"/>
+          </a:xfrm>
+          <a:prstGeom prst="rect">
+            <a:avLst/>
+          </a:prstGeom>
+        </p:spPr>
+      </p:pic>
+      <p:sp>
+        <p:nvSpPr>
+          <p:cNvPr id="28" name="TextBox 27"/>
+          <p:cNvSpPr txBox="1"/>
+          <p:nvPr/>
+        </p:nvSpPr>
+        <p:spPr>
+          <a:xfrm>
+            <a:off x="5079663" y="4583336"/>
+            <a:ext cx="2409634" cy="477054"/>
+          </a:xfrm>
+          <a:prstGeom prst="rect">
+            <a:avLst/>
+          </a:prstGeom>
+          <a:noFill/>
+        </p:spPr>
+        <p:txBody>
+          <a:bodyPr wrap="none" rtlCol="0">
+            <a:spAutoFit/>
+          </a:bodyPr>
+          <a:lstStyle/>
+          <a:p>
+            <a:r>
+              <a:rPr lang="en-US" sz="2500" smtClean="0"/>
+              <a:t>View by category</a:t>
+            </a:r>
+            <a:endParaRPr lang="en-US" sz="2500"/>
+          </a:p>
+        </p:txBody>
+      </p:sp>
+      <p:sp>
+        <p:nvSpPr>
+          <p:cNvPr id="29" name="TextBox 28"/>
+          <p:cNvSpPr txBox="1"/>
+          <p:nvPr/>
+        </p:nvSpPr>
+        <p:spPr>
+          <a:xfrm>
+            <a:off x="5565104" y="6189637"/>
+            <a:ext cx="1690399" cy="477054"/>
+          </a:xfrm>
+          <a:prstGeom prst="rect">
+            <a:avLst/>
+          </a:prstGeom>
+          <a:noFill/>
+        </p:spPr>
+        <p:txBody>
+          <a:bodyPr wrap="none" rtlCol="0">
+            <a:spAutoFit/>
+          </a:bodyPr>
+          <a:lstStyle/>
           <a:p>
             <a:r>
               <a:rPr lang="en-US" sz="2500" b="1" smtClean="0"/>
-              <a:t>GỒM 2 NỘI DUNG LỚN</a:t>
-            </a:r>
-          </a:p>
-          <a:p>
-            <a:endParaRPr lang="en-US" sz="2500" b="1"/>
-          </a:p>
-          <a:p>
-            <a:r>
-              <a:rPr lang="en-US" sz="2500" b="1" smtClean="0"/>
-              <a:t>CÁC CHỨC NĂNG/TÍNH NĂNG CỦA APP ĐÃ ĐẠT ĐC/CÀI ĐC</a:t>
-            </a:r>
-          </a:p>
-          <a:p>
-            <a:pPr marL="342900" indent="-342900">
-              <a:buFontTx/>
-              <a:buChar char="-"/>
-            </a:pPr>
-            <a:r>
-              <a:rPr lang="en-US" sz="2500" b="1" smtClean="0"/>
-              <a:t>gạch đầu dòng</a:t>
-            </a:r>
-          </a:p>
-          <a:p>
-            <a:pPr marL="342900" indent="-342900">
-              <a:buFontTx/>
-              <a:buChar char="-"/>
-            </a:pPr>
-            <a:r>
-              <a:rPr lang="en-US" sz="2500" b="1"/>
-              <a:t>g</a:t>
-            </a:r>
-            <a:r>
-              <a:rPr lang="en-US" sz="2500" b="1" smtClean="0"/>
-              <a:t>ạch đầu dòng</a:t>
-            </a:r>
-            <a:endParaRPr lang="en-US" sz="2500" b="1"/>
-          </a:p>
-          <a:p>
-            <a:endParaRPr lang="en-US" sz="2500" b="1" smtClean="0"/>
-          </a:p>
-          <a:p>
-            <a:r>
-              <a:rPr lang="en-US" sz="2500" b="1" smtClean="0"/>
-              <a:t>CÁC KẾT QUẢ/DELIVERABLES CỦA QUÁ TRÌNH LÀM DỰ ÁN</a:t>
-            </a:r>
-          </a:p>
-          <a:p>
-            <a:pPr marL="342900" indent="-342900">
-              <a:buFontTx/>
-              <a:buChar char="-"/>
-            </a:pPr>
-            <a:r>
-              <a:rPr lang="en-US" sz="2500" b="1" smtClean="0"/>
-              <a:t>gạch đầu dòng</a:t>
-            </a:r>
-          </a:p>
-          <a:p>
-            <a:pPr marL="342900" indent="-342900">
-              <a:buFontTx/>
-              <a:buChar char="-"/>
-            </a:pPr>
-            <a:r>
-              <a:rPr lang="en-US" sz="2500" b="1" smtClean="0"/>
-              <a:t>link đến file doc, ảnh GitHub, Jira, Trello,…</a:t>
-            </a:r>
-          </a:p>
-          <a:p>
-            <a:endParaRPr lang="en-US" sz="2500" b="1" smtClean="0"/>
-          </a:p>
-          <a:p>
+              <a:t>Product list</a:t>
+            </a:r>
             <a:endParaRPr lang="en-US" sz="2500" b="1"/>
           </a:p>
         </p:txBody>
@@ -5411,7 +6376,7 @@
     </p:spTree>
     <p:extLst>
       <p:ext uri="{BB962C8B-B14F-4D97-AF65-F5344CB8AC3E}">
-        <p14:creationId xmlns:p14="http://schemas.microsoft.com/office/powerpoint/2010/main" val="1506876991"/>
+        <p14:creationId xmlns:p14="http://schemas.microsoft.com/office/powerpoint/2010/main" val="726669768"/>
       </p:ext>
     </p:extLst>
   </p:cSld>
